--- a/InterfacageNumerique/APC/S6_IntNum_DISC.pptx
+++ b/InterfacageNumerique/APC/S6_IntNum_DISC.pptx
@@ -219,7 +219,7 @@
           <a:p>
             <a:fld id="{729C724E-499D-43AC-8699-CF969D2466FC}" type="datetimeFigureOut">
               <a:rPr lang="fr-FR" smtClean="0"/>
-              <a:t>20/02/2025</a:t>
+              <a:t>28/11/2025</a:t>
             </a:fld>
             <a:endParaRPr lang="fr-FR"/>
           </a:p>
@@ -1752,7 +1752,7 @@
           <a:p>
             <a:fld id="{02AC24A9-CCB6-4F8D-B8DB-C2F3692CFA5A}" type="datetimeFigureOut">
               <a:rPr lang="en-US" smtClean="0"/>
-              <a:t>2/20/2025</a:t>
+              <a:t>11/28/2025</a:t>
             </a:fld>
             <a:endParaRPr lang="en-US" dirty="0"/>
           </a:p>
@@ -2122,7 +2122,7 @@
           <a:p>
             <a:fld id="{02AC24A9-CCB6-4F8D-B8DB-C2F3692CFA5A}" type="datetimeFigureOut">
               <a:rPr lang="en-US" smtClean="0"/>
-              <a:t>2/20/2025</a:t>
+              <a:t>11/28/2025</a:t>
             </a:fld>
             <a:endParaRPr lang="en-US"/>
           </a:p>
@@ -2331,7 +2331,7 @@
           <a:p>
             <a:fld id="{02AC24A9-CCB6-4F8D-B8DB-C2F3692CFA5A}" type="datetimeFigureOut">
               <a:rPr lang="en-US" smtClean="0"/>
-              <a:t>2/20/2025</a:t>
+              <a:t>11/28/2025</a:t>
             </a:fld>
             <a:endParaRPr lang="en-US"/>
           </a:p>
@@ -2801,7 +2801,7 @@
           <a:p>
             <a:fld id="{02AC24A9-CCB6-4F8D-B8DB-C2F3692CFA5A}" type="datetimeFigureOut">
               <a:rPr lang="en-US" smtClean="0"/>
-              <a:t>2/20/2025</a:t>
+              <a:t>11/28/2025</a:t>
             </a:fld>
             <a:endParaRPr lang="en-US"/>
           </a:p>
@@ -3255,7 +3255,7 @@
           <a:p>
             <a:fld id="{02AC24A9-CCB6-4F8D-B8DB-C2F3692CFA5A}" type="datetimeFigureOut">
               <a:rPr lang="en-US" smtClean="0"/>
-              <a:t>2/20/2025</a:t>
+              <a:t>11/28/2025</a:t>
             </a:fld>
             <a:endParaRPr lang="en-US"/>
           </a:p>
@@ -3787,7 +3787,7 @@
           <a:p>
             <a:fld id="{02AC24A9-CCB6-4F8D-B8DB-C2F3692CFA5A}" type="datetimeFigureOut">
               <a:rPr lang="en-US" smtClean="0"/>
-              <a:t>2/20/2025</a:t>
+              <a:t>11/28/2025</a:t>
             </a:fld>
             <a:endParaRPr lang="en-US"/>
           </a:p>
@@ -4486,7 +4486,7 @@
           <a:p>
             <a:fld id="{02AC24A9-CCB6-4F8D-B8DB-C2F3692CFA5A}" type="datetimeFigureOut">
               <a:rPr lang="en-US" smtClean="0"/>
-              <a:t>2/20/2025</a:t>
+              <a:t>11/28/2025</a:t>
             </a:fld>
             <a:endParaRPr lang="en-US"/>
           </a:p>
@@ -4815,7 +4815,7 @@
           <a:p>
             <a:fld id="{02AC24A9-CCB6-4F8D-B8DB-C2F3692CFA5A}" type="datetimeFigureOut">
               <a:rPr lang="en-US" smtClean="0"/>
-              <a:t>2/20/2025</a:t>
+              <a:t>11/28/2025</a:t>
             </a:fld>
             <a:endParaRPr lang="en-US"/>
           </a:p>
@@ -4928,7 +4928,7 @@
           <a:p>
             <a:fld id="{02AC24A9-CCB6-4F8D-B8DB-C2F3692CFA5A}" type="datetimeFigureOut">
               <a:rPr lang="en-US" smtClean="0"/>
-              <a:t>2/20/2025</a:t>
+              <a:t>11/28/2025</a:t>
             </a:fld>
             <a:endParaRPr lang="en-US"/>
           </a:p>
@@ -5423,7 +5423,7 @@
           <a:p>
             <a:fld id="{02AC24A9-CCB6-4F8D-B8DB-C2F3692CFA5A}" type="datetimeFigureOut">
               <a:rPr lang="en-US" smtClean="0"/>
-              <a:t>2/20/2025</a:t>
+              <a:t>11/28/2025</a:t>
             </a:fld>
             <a:endParaRPr lang="en-US" dirty="0"/>
           </a:p>
@@ -5900,7 +5900,7 @@
           <a:p>
             <a:fld id="{02AC24A9-CCB6-4F8D-B8DB-C2F3692CFA5A}" type="datetimeFigureOut">
               <a:rPr lang="en-US" smtClean="0"/>
-              <a:t>2/20/2025</a:t>
+              <a:t>11/28/2025</a:t>
             </a:fld>
             <a:endParaRPr lang="en-US"/>
           </a:p>
@@ -6143,7 +6143,7 @@
           <a:p>
             <a:fld id="{02AC24A9-CCB6-4F8D-B8DB-C2F3692CFA5A}" type="datetimeFigureOut">
               <a:rPr lang="en-US" smtClean="0"/>
-              <a:t>2/20/2025</a:t>
+              <a:t>11/28/2025</a:t>
             </a:fld>
             <a:endParaRPr lang="en-US"/>
           </a:p>
@@ -9201,7 +9201,7 @@
                   <a:srgbClr val="002060"/>
                 </a:solidFill>
               </a:rPr>
-              <a:t>26 mai 2025</a:t>
+              <a:t>21 mai 2026</a:t>
             </a:r>
           </a:p>
         </p:txBody>
@@ -10167,13 +10167,18 @@
           <a:lstStyle/>
           <a:p>
             <a:r>
-              <a:rPr lang="fr-FR" sz="2400" b="1" dirty="0">
+              <a:rPr lang="fr-FR" sz="2400" b="1">
                 <a:solidFill>
                   <a:srgbClr val="002060"/>
                 </a:solidFill>
               </a:rPr>
-              <a:t>26 mai 2025</a:t>
-            </a:r>
+              <a:t>21 mai 2026</a:t>
+            </a:r>
+            <a:endParaRPr lang="fr-FR" sz="2400" b="1" dirty="0">
+              <a:solidFill>
+                <a:srgbClr val="002060"/>
+              </a:solidFill>
+            </a:endParaRPr>
           </a:p>
         </p:txBody>
       </p:sp>
